--- a/Présentation1.pptx
+++ b/Présentation1.pptx
@@ -104,6 +104,11 @@
       </a:defRPr>
     </a:lvl9pPr>
   </p:defaultTextStyle>
+  <p:extLst>
+    <p:ext uri="{EFAFB233-063F-42B5-8137-9DF3F51BA10A}">
+      <p15:sldGuideLst xmlns:p15="http://schemas.microsoft.com/office/powerpoint/2012/main"/>
+    </p:ext>
+  </p:extLst>
 </p:presentation>
 </file>
 
@@ -3042,6 +3047,46 @@
           </a:p>
         </p:txBody>
       </p:sp>
+      <p:sp>
+        <p:nvSpPr>
+          <p:cNvPr id="5" name="Rectangle 4"/>
+          <p:cNvSpPr/>
+          <p:nvPr/>
+        </p:nvSpPr>
+        <p:spPr>
+          <a:xfrm>
+            <a:off x="4370119" y="534390"/>
+            <a:ext cx="5617029" cy="5712031"/>
+          </a:xfrm>
+          <a:prstGeom prst="rect">
+            <a:avLst/>
+          </a:prstGeom>
+        </p:spPr>
+        <p:style>
+          <a:lnRef idx="2">
+            <a:schemeClr val="accent1">
+              <a:shade val="50000"/>
+            </a:schemeClr>
+          </a:lnRef>
+          <a:fillRef idx="1">
+            <a:schemeClr val="accent1"/>
+          </a:fillRef>
+          <a:effectRef idx="0">
+            <a:schemeClr val="accent1"/>
+          </a:effectRef>
+          <a:fontRef idx="minor">
+            <a:schemeClr val="lt1"/>
+          </a:fontRef>
+        </p:style>
+        <p:txBody>
+          <a:bodyPr rtlCol="0" anchor="ctr"/>
+          <a:lstStyle/>
+          <a:p>
+            <a:pPr algn="ctr"/>
+            <a:endParaRPr lang="fr-FR"/>
+          </a:p>
+        </p:txBody>
+      </p:sp>
     </p:spTree>
     <p:extLst>
       <p:ext uri="{BB962C8B-B14F-4D97-AF65-F5344CB8AC3E}">

--- a/Présentation1.pptx
+++ b/Présentation1.pptx
@@ -3087,6 +3087,46 @@
           </a:p>
         </p:txBody>
       </p:sp>
+      <p:sp>
+        <p:nvSpPr>
+          <p:cNvPr id="6" name="Triangle 5"/>
+          <p:cNvSpPr/>
+          <p:nvPr/>
+        </p:nvSpPr>
+        <p:spPr>
+          <a:xfrm>
+            <a:off x="368135" y="3277590"/>
+            <a:ext cx="3111335" cy="2565070"/>
+          </a:xfrm>
+          <a:prstGeom prst="triangle">
+            <a:avLst/>
+          </a:prstGeom>
+        </p:spPr>
+        <p:style>
+          <a:lnRef idx="2">
+            <a:schemeClr val="accent1">
+              <a:shade val="50000"/>
+            </a:schemeClr>
+          </a:lnRef>
+          <a:fillRef idx="1">
+            <a:schemeClr val="accent1"/>
+          </a:fillRef>
+          <a:effectRef idx="0">
+            <a:schemeClr val="accent1"/>
+          </a:effectRef>
+          <a:fontRef idx="minor">
+            <a:schemeClr val="lt1"/>
+          </a:fontRef>
+        </p:style>
+        <p:txBody>
+          <a:bodyPr rtlCol="0" anchor="ctr"/>
+          <a:lstStyle/>
+          <a:p>
+            <a:pPr algn="ctr"/>
+            <a:endParaRPr lang="fr-FR"/>
+          </a:p>
+        </p:txBody>
+      </p:sp>
     </p:spTree>
     <p:extLst>
       <p:ext uri="{BB962C8B-B14F-4D97-AF65-F5344CB8AC3E}">

--- a/Présentation1.pptx
+++ b/Présentation1.pptx
@@ -2984,7 +2984,7 @@
           <a:bodyPr/>
           <a:lstStyle/>
           <a:p>
-            <a:endParaRPr lang="fr-FR"/>
+            <a:endParaRPr lang="fr-FR" dirty="0"/>
           </a:p>
         </p:txBody>
       </p:sp>
@@ -3127,6 +3127,42 @@
           </a:p>
         </p:txBody>
       </p:sp>
+      <p:cxnSp>
+        <p:nvCxnSpPr>
+          <p:cNvPr id="8" name="Connecteur droit avec flèche 7"/>
+          <p:cNvCxnSpPr/>
+          <p:nvPr/>
+        </p:nvCxnSpPr>
+        <p:spPr>
+          <a:xfrm>
+            <a:off x="510639" y="914400"/>
+            <a:ext cx="2826327" cy="3479470"/>
+          </a:xfrm>
+          <a:prstGeom prst="straightConnector1">
+            <a:avLst/>
+          </a:prstGeom>
+          <a:ln w="57150">
+            <a:solidFill>
+              <a:schemeClr val="accent1"/>
+            </a:solidFill>
+            <a:tailEnd type="triangle"/>
+          </a:ln>
+        </p:spPr>
+        <p:style>
+          <a:lnRef idx="1">
+            <a:schemeClr val="accent1"/>
+          </a:lnRef>
+          <a:fillRef idx="0">
+            <a:schemeClr val="accent1"/>
+          </a:fillRef>
+          <a:effectRef idx="0">
+            <a:schemeClr val="accent1"/>
+          </a:effectRef>
+          <a:fontRef idx="minor">
+            <a:schemeClr val="tx1"/>
+          </a:fontRef>
+        </p:style>
+      </p:cxnSp>
     </p:spTree>
     <p:extLst>
       <p:ext uri="{BB962C8B-B14F-4D97-AF65-F5344CB8AC3E}">

--- a/Présentation1.pptx
+++ b/Présentation1.pptx
@@ -3015,7 +3015,7 @@
         </p:nvSpPr>
         <p:spPr>
           <a:xfrm>
-            <a:off x="2743200" y="1615044"/>
+            <a:off x="2636323" y="2156176"/>
             <a:ext cx="2018805" cy="2078182"/>
           </a:xfrm>
           <a:prstGeom prst="ellipse">
@@ -3163,6 +3163,181 @@
           </a:fontRef>
         </p:style>
       </p:cxnSp>
+      <p:sp>
+        <p:nvSpPr>
+          <p:cNvPr id="7" name="Forme libre 6"/>
+          <p:cNvSpPr/>
+          <p:nvPr/>
+        </p:nvSpPr>
+        <p:spPr>
+          <a:xfrm>
+            <a:off x="-660926" y="819397"/>
+            <a:ext cx="4235399" cy="2636787"/>
+          </a:xfrm>
+          <a:custGeom>
+            <a:avLst/>
+            <a:gdLst>
+              <a:gd name="connsiteX0" fmla="*/ 2929113 w 4235399"/>
+              <a:gd name="connsiteY0" fmla="*/ 0 h 2636787"/>
+              <a:gd name="connsiteX1" fmla="*/ 2180968 w 4235399"/>
+              <a:gd name="connsiteY1" fmla="*/ 605642 h 2636787"/>
+              <a:gd name="connsiteX2" fmla="*/ 637175 w 4235399"/>
+              <a:gd name="connsiteY2" fmla="*/ 1876302 h 2636787"/>
+              <a:gd name="connsiteX3" fmla="*/ 209664 w 4235399"/>
+              <a:gd name="connsiteY3" fmla="*/ 2386941 h 2636787"/>
+              <a:gd name="connsiteX4" fmla="*/ 102786 w 4235399"/>
+              <a:gd name="connsiteY4" fmla="*/ 2624447 h 2636787"/>
+              <a:gd name="connsiteX5" fmla="*/ 2192843 w 4235399"/>
+              <a:gd name="connsiteY5" fmla="*/ 1341912 h 2636787"/>
+              <a:gd name="connsiteX6" fmla="*/ 3356625 w 4235399"/>
+              <a:gd name="connsiteY6" fmla="*/ 807522 h 2636787"/>
+              <a:gd name="connsiteX7" fmla="*/ 3926640 w 4235399"/>
+              <a:gd name="connsiteY7" fmla="*/ 510639 h 2636787"/>
+              <a:gd name="connsiteX8" fmla="*/ 4081020 w 4235399"/>
+              <a:gd name="connsiteY8" fmla="*/ 415637 h 2636787"/>
+              <a:gd name="connsiteX9" fmla="*/ 4235399 w 4235399"/>
+              <a:gd name="connsiteY9" fmla="*/ 356260 h 2636787"/>
+              <a:gd name="connsiteX10" fmla="*/ 4104770 w 4235399"/>
+              <a:gd name="connsiteY10" fmla="*/ 546265 h 2636787"/>
+              <a:gd name="connsiteX11" fmla="*/ 3784136 w 4235399"/>
+              <a:gd name="connsiteY11" fmla="*/ 950026 h 2636787"/>
+            </a:gdLst>
+            <a:ahLst/>
+            <a:cxnLst>
+              <a:cxn ang="0">
+                <a:pos x="connsiteX0" y="connsiteY0"/>
+              </a:cxn>
+              <a:cxn ang="0">
+                <a:pos x="connsiteX1" y="connsiteY1"/>
+              </a:cxn>
+              <a:cxn ang="0">
+                <a:pos x="connsiteX2" y="connsiteY2"/>
+              </a:cxn>
+              <a:cxn ang="0">
+                <a:pos x="connsiteX3" y="connsiteY3"/>
+              </a:cxn>
+              <a:cxn ang="0">
+                <a:pos x="connsiteX4" y="connsiteY4"/>
+              </a:cxn>
+              <a:cxn ang="0">
+                <a:pos x="connsiteX5" y="connsiteY5"/>
+              </a:cxn>
+              <a:cxn ang="0">
+                <a:pos x="connsiteX6" y="connsiteY6"/>
+              </a:cxn>
+              <a:cxn ang="0">
+                <a:pos x="connsiteX7" y="connsiteY7"/>
+              </a:cxn>
+              <a:cxn ang="0">
+                <a:pos x="connsiteX8" y="connsiteY8"/>
+              </a:cxn>
+              <a:cxn ang="0">
+                <a:pos x="connsiteX9" y="connsiteY9"/>
+              </a:cxn>
+              <a:cxn ang="0">
+                <a:pos x="connsiteX10" y="connsiteY10"/>
+              </a:cxn>
+              <a:cxn ang="0">
+                <a:pos x="connsiteX11" y="connsiteY11"/>
+              </a:cxn>
+            </a:cxnLst>
+            <a:rect l="l" t="t" r="r" b="b"/>
+            <a:pathLst>
+              <a:path w="4235399" h="2636787">
+                <a:moveTo>
+                  <a:pt x="2929113" y="0"/>
+                </a:moveTo>
+                <a:cubicBezTo>
+                  <a:pt x="2790644" y="369252"/>
+                  <a:pt x="2923092" y="69664"/>
+                  <a:pt x="2180968" y="605642"/>
+                </a:cubicBezTo>
+                <a:cubicBezTo>
+                  <a:pt x="1444734" y="1137367"/>
+                  <a:pt x="1286778" y="1213707"/>
+                  <a:pt x="637175" y="1876302"/>
+                </a:cubicBezTo>
+                <a:cubicBezTo>
+                  <a:pt x="481766" y="2034819"/>
+                  <a:pt x="344200" y="2210363"/>
+                  <a:pt x="209664" y="2386941"/>
+                </a:cubicBezTo>
+                <a:cubicBezTo>
+                  <a:pt x="2694" y="2658587"/>
+                  <a:pt x="-83798" y="2651101"/>
+                  <a:pt x="102786" y="2624447"/>
+                </a:cubicBezTo>
+                <a:cubicBezTo>
+                  <a:pt x="846259" y="2111346"/>
+                  <a:pt x="1335214" y="1735721"/>
+                  <a:pt x="2192843" y="1341912"/>
+                </a:cubicBezTo>
+                <a:cubicBezTo>
+                  <a:pt x="2580770" y="1163782"/>
+                  <a:pt x="2978028" y="1004708"/>
+                  <a:pt x="3356625" y="807522"/>
+                </a:cubicBezTo>
+                <a:cubicBezTo>
+                  <a:pt x="3546630" y="708561"/>
+                  <a:pt x="3744187" y="622916"/>
+                  <a:pt x="3926640" y="510639"/>
+                </a:cubicBezTo>
+                <a:cubicBezTo>
+                  <a:pt x="3978100" y="478972"/>
+                  <a:pt x="4027450" y="443587"/>
+                  <a:pt x="4081020" y="415637"/>
+                </a:cubicBezTo>
+                <a:cubicBezTo>
+                  <a:pt x="4127162" y="391563"/>
+                  <a:pt x="4184059" y="373373"/>
+                  <a:pt x="4235399" y="356260"/>
+                </a:cubicBezTo>
+                <a:cubicBezTo>
+                  <a:pt x="4191856" y="419595"/>
+                  <a:pt x="4151276" y="485073"/>
+                  <a:pt x="4104770" y="546265"/>
+                </a:cubicBezTo>
+                <a:cubicBezTo>
+                  <a:pt x="4000779" y="683095"/>
+                  <a:pt x="3784136" y="950026"/>
+                  <a:pt x="3784136" y="950026"/>
+                </a:cubicBezTo>
+              </a:path>
+            </a:pathLst>
+          </a:custGeom>
+          <a:solidFill>
+            <a:schemeClr val="accent2"/>
+          </a:solidFill>
+        </p:spPr>
+        <p:style>
+          <a:lnRef idx="2">
+            <a:schemeClr val="accent1">
+              <a:shade val="50000"/>
+            </a:schemeClr>
+          </a:lnRef>
+          <a:fillRef idx="1">
+            <a:schemeClr val="accent1"/>
+          </a:fillRef>
+          <a:effectRef idx="0">
+            <a:schemeClr val="accent1"/>
+          </a:effectRef>
+          <a:fontRef idx="minor">
+            <a:schemeClr val="lt1"/>
+          </a:fontRef>
+        </p:style>
+        <p:txBody>
+          <a:bodyPr rtlCol="0" anchor="ctr"/>
+          <a:lstStyle/>
+          <a:p>
+            <a:pPr algn="ctr"/>
+            <a:endParaRPr lang="fr-FR">
+              <a:solidFill>
+                <a:srgbClr val="FF0000"/>
+              </a:solidFill>
+            </a:endParaRPr>
+          </a:p>
+        </p:txBody>
+      </p:sp>
     </p:spTree>
     <p:extLst>
       <p:ext uri="{BB962C8B-B14F-4D97-AF65-F5344CB8AC3E}">

--- a/Présentation1.pptx
+++ b/Présentation1.pptx
@@ -3061,6 +3061,9 @@
           <a:prstGeom prst="rect">
             <a:avLst/>
           </a:prstGeom>
+          <a:solidFill>
+            <a:srgbClr val="00B050"/>
+          </a:solidFill>
         </p:spPr>
         <p:style>
           <a:lnRef idx="2">
